--- a/PowerShell/Day10-Control Flow/PowerShell.pptx
+++ b/PowerShell/Day10-Control Flow/PowerShell.pptx
@@ -11,8 +11,7 @@
     <p:sldId id="292" r:id="rId5"/>
     <p:sldId id="293" r:id="rId6"/>
     <p:sldId id="291" r:id="rId7"/>
-    <p:sldId id="290" r:id="rId8"/>
-    <p:sldId id="267" r:id="rId9"/>
+    <p:sldId id="267" r:id="rId8"/>
   </p:sldIdLst>
   <p:sldSz cx="12192000" cy="6858000"/>
   <p:notesSz cx="6858000" cy="9144000"/>
@@ -3005,7 +3004,6 @@
               <a:rPr lang="en-GB" dirty="0"/>
               <a:t>Control Flow</a:t>
             </a:r>
-            <a:endParaRPr lang="en-GB" dirty="0"/>
           </a:p>
         </p:txBody>
       </p:sp>
@@ -3162,11 +3160,7 @@
             </a:r>
             <a:r>
               <a:rPr lang="en-GB" dirty="0" smtClean="0"/>
-              <a:t>is </a:t>
-            </a:r>
-            <a:r>
-              <a:rPr lang="en-GB" dirty="0" smtClean="0"/>
-              <a:t>Control </a:t>
+              <a:t>is Control </a:t>
             </a:r>
             <a:r>
               <a:rPr lang="en-GB" dirty="0"/>
@@ -3424,32 +3418,7 @@
               <a:rPr lang="en-US" sz="1600" dirty="0" smtClean="0"/>
               <a:t>.</a:t>
             </a:r>
-          </a:p>
-          <a:p>
-            <a:pPr lvl="1" eaLnBrk="0" fontAlgn="base" hangingPunct="0">
-              <a:lnSpc>
-                <a:spcPct val="100000"/>
-              </a:lnSpc>
-              <a:spcBef>
-                <a:spcPct val="0"/>
-              </a:spcBef>
-              <a:spcAft>
-                <a:spcPct val="0"/>
-              </a:spcAft>
-            </a:pPr>
-            <a:r>
-              <a:rPr lang="en-US" sz="1600" dirty="0"/>
-              <a:t>Error Handling (</a:t>
-            </a:r>
-            <a:r>
-              <a:rPr lang="en-US" sz="1600" b="1" dirty="0"/>
-              <a:t>try, catch, finally</a:t>
-            </a:r>
-            <a:r>
-              <a:rPr lang="en-US" sz="1600" dirty="0"/>
-              <a:t>): Deals with exceptions and errors.</a:t>
-            </a:r>
-            <a:endParaRPr lang="en-US" sz="1600" dirty="0"/>
+            <a:endParaRPr lang="en-US" sz="1600" dirty="0" smtClean="0"/>
           </a:p>
         </p:txBody>
       </p:sp>
@@ -3902,55 +3871,6 @@
                       </p:childTnLst>
                     </p:cTn>
                   </p:par>
-                  <p:par>
-                    <p:cTn id="35" fill="hold">
-                      <p:stCondLst>
-                        <p:cond delay="indefinite"/>
-                      </p:stCondLst>
-                      <p:childTnLst>
-                        <p:par>
-                          <p:cTn id="36" fill="hold">
-                            <p:stCondLst>
-                              <p:cond delay="0"/>
-                            </p:stCondLst>
-                            <p:childTnLst>
-                              <p:par>
-                                <p:cTn id="37" presetID="1" presetClass="entr" presetSubtype="0" fill="hold" nodeType="clickEffect">
-                                  <p:stCondLst>
-                                    <p:cond delay="0"/>
-                                  </p:stCondLst>
-                                  <p:childTnLst>
-                                    <p:set>
-                                      <p:cBhvr>
-                                        <p:cTn id="38" dur="1" fill="hold">
-                                          <p:stCondLst>
-                                            <p:cond delay="0"/>
-                                          </p:stCondLst>
-                                        </p:cTn>
-                                        <p:tgtEl>
-                                          <p:spTgt spid="3">
-                                            <p:txEl>
-                                              <p:pRg st="9" end="9"/>
-                                            </p:txEl>
-                                          </p:spTgt>
-                                        </p:tgtEl>
-                                        <p:attrNameLst>
-                                          <p:attrName>style.visibility</p:attrName>
-                                        </p:attrNameLst>
-                                      </p:cBhvr>
-                                      <p:to>
-                                        <p:strVal val="visible"/>
-                                      </p:to>
-                                    </p:set>
-                                  </p:childTnLst>
-                                </p:cTn>
-                              </p:par>
-                            </p:childTnLst>
-                          </p:cTn>
-                        </p:par>
-                      </p:childTnLst>
-                    </p:cTn>
-                  </p:par>
                 </p:childTnLst>
               </p:cTn>
               <p:prevCondLst>
@@ -4860,7 +4780,6 @@
               <a:rPr lang="en-US" sz="1400" dirty="0"/>
               <a:t>It checks the value of a variable and matches it against multiple possible values, executing the corresponding block of code</a:t>
             </a:r>
-            <a:endParaRPr lang="en-US" sz="1400" dirty="0"/>
           </a:p>
           <a:p>
             <a:pPr eaLnBrk="0" fontAlgn="base" hangingPunct="0">
@@ -5436,15 +5355,7 @@
             </a:pPr>
             <a:r>
               <a:rPr lang="en-US" sz="1600" dirty="0"/>
-              <a:t>Can </a:t>
-            </a:r>
-            <a:r>
-              <a:rPr lang="en-US" sz="1600" dirty="0"/>
-              <a:t>place if and other control flow statements inside one another to handle more complex decision-making</a:t>
-            </a:r>
-            <a:r>
-              <a:rPr lang="en-US" sz="1600" dirty="0"/>
-              <a:t>.</a:t>
+              <a:t>Can place if and other control flow statements inside one another to handle more complex decision-making.</a:t>
             </a:r>
           </a:p>
           <a:p>
@@ -6520,62 +6431,25 @@
           <a:p>
             <a:r>
               <a:rPr lang="en-GB" sz="3200" dirty="0" smtClean="0"/>
-              <a:t>Greet-User (</a:t>
+              <a:t>Check </a:t>
             </a:r>
             <a:r>
               <a:rPr lang="en-GB" sz="3200" dirty="0"/>
-              <a:t>Without </a:t>
+              <a:t>Disk </a:t>
             </a:r>
             <a:r>
               <a:rPr lang="en-GB" sz="3200" dirty="0" smtClean="0"/>
-              <a:t>Parameters)</a:t>
-            </a:r>
-          </a:p>
-          <a:p>
-            <a:r>
-              <a:rPr lang="en-GB" sz="3200" dirty="0"/>
-              <a:t>Greet-User (</a:t>
-            </a:r>
-            <a:r>
-              <a:rPr lang="en-GB" sz="3200" dirty="0" smtClean="0"/>
-              <a:t>With </a:t>
-            </a:r>
-            <a:r>
-              <a:rPr lang="en-GB" sz="3200" dirty="0"/>
-              <a:t>Parameters)</a:t>
-            </a:r>
-            <a:endParaRPr lang="en-GB" sz="3200" dirty="0" smtClean="0"/>
-          </a:p>
-          <a:p>
-            <a:r>
-              <a:rPr lang="en-GB" sz="3200" dirty="0"/>
-              <a:t>Check-</a:t>
-            </a:r>
-            <a:r>
-              <a:rPr lang="en-GB" sz="3200" dirty="0" err="1"/>
-              <a:t>FileExistence</a:t>
-            </a:r>
-            <a:r>
-              <a:rPr lang="en-GB" sz="3200" dirty="0"/>
-              <a:t> (No Parameters)</a:t>
-            </a:r>
-          </a:p>
-          <a:p>
-            <a:r>
-              <a:rPr lang="en-GB" sz="3200" dirty="0"/>
-              <a:t>Check-</a:t>
-            </a:r>
-            <a:r>
-              <a:rPr lang="en-GB" sz="3200" dirty="0" err="1"/>
-              <a:t>FileExistence</a:t>
-            </a:r>
-            <a:r>
-              <a:rPr lang="en-GB" sz="3200" dirty="0"/>
-              <a:t> (With Parameters</a:t>
-            </a:r>
-            <a:r>
-              <a:rPr lang="en-GB" sz="3200" dirty="0" smtClean="0"/>
-              <a:t>)</a:t>
+              <a:t>Space</a:t>
+            </a:r>
+          </a:p>
+          <a:p>
+            <a:r>
+              <a:rPr lang="en-US" sz="3200" dirty="0"/>
+              <a:t>Check Disk Space and Send Email </a:t>
+            </a:r>
+            <a:r>
+              <a:rPr lang="en-US" sz="3200" dirty="0" smtClean="0"/>
+              <a:t>Alert</a:t>
             </a:r>
             <a:endParaRPr lang="en-GB" sz="3200" dirty="0"/>
           </a:p>
@@ -6605,273 +6479,6 @@
 </file>
 
 <file path=ppt/slides/slide7.xml><?xml version="1.0" encoding="utf-8"?>
-<p:sld xmlns:a="http://schemas.openxmlformats.org/drawingml/2006/main" xmlns:r="http://schemas.openxmlformats.org/officeDocument/2006/relationships" xmlns:p="http://schemas.openxmlformats.org/presentationml/2006/main">
-  <p:cSld>
-    <p:spTree>
-      <p:nvGrpSpPr>
-        <p:cNvPr id="1" name=""/>
-        <p:cNvGrpSpPr/>
-        <p:nvPr/>
-      </p:nvGrpSpPr>
-      <p:grpSpPr>
-        <a:xfrm>
-          <a:off x="0" y="0"/>
-          <a:ext cx="0" cy="0"/>
-          <a:chOff x="0" y="0"/>
-          <a:chExt cx="0" cy="0"/>
-        </a:xfrm>
-      </p:grpSpPr>
-      <p:sp>
-        <p:nvSpPr>
-          <p:cNvPr id="2" name="Title 1"/>
-          <p:cNvSpPr>
-            <a:spLocks noGrp="1"/>
-          </p:cNvSpPr>
-          <p:nvPr>
-            <p:ph type="title"/>
-          </p:nvPr>
-        </p:nvSpPr>
-        <p:spPr>
-          <a:xfrm>
-            <a:off x="838200" y="365126"/>
-            <a:ext cx="10515600" cy="1096122"/>
-          </a:xfrm>
-        </p:spPr>
-        <p:txBody>
-          <a:bodyPr>
-            <a:normAutofit/>
-          </a:bodyPr>
-          <a:lstStyle/>
-          <a:p>
-            <a:pPr eaLnBrk="0" fontAlgn="base" hangingPunct="0">
-              <a:lnSpc>
-                <a:spcPct val="100000"/>
-              </a:lnSpc>
-              <a:spcAft>
-                <a:spcPct val="0"/>
-              </a:spcAft>
-            </a:pPr>
-            <a:r>
-              <a:rPr lang="en-GB" dirty="0"/>
-              <a:t>Use Cases</a:t>
-            </a:r>
-          </a:p>
-        </p:txBody>
-      </p:sp>
-      <p:sp>
-        <p:nvSpPr>
-          <p:cNvPr id="3" name="Content Placeholder 2"/>
-          <p:cNvSpPr>
-            <a:spLocks noGrp="1"/>
-          </p:cNvSpPr>
-          <p:nvPr>
-            <p:ph idx="1"/>
-          </p:nvPr>
-        </p:nvSpPr>
-        <p:spPr>
-          <a:xfrm>
-            <a:off x="838200" y="1671286"/>
-            <a:ext cx="10515600" cy="4647135"/>
-          </a:xfrm>
-        </p:spPr>
-        <p:txBody>
-          <a:bodyPr>
-            <a:normAutofit/>
-          </a:bodyPr>
-          <a:lstStyle/>
-          <a:p>
-            <a:pPr eaLnBrk="0" fontAlgn="base" hangingPunct="0">
-              <a:lnSpc>
-                <a:spcPct val="100000"/>
-              </a:lnSpc>
-              <a:spcBef>
-                <a:spcPct val="0"/>
-              </a:spcBef>
-              <a:spcAft>
-                <a:spcPct val="0"/>
-              </a:spcAft>
-            </a:pPr>
-            <a:r>
-              <a:rPr lang="en-US" sz="1800" b="1" dirty="0" smtClean="0"/>
-              <a:t>System </a:t>
-            </a:r>
-            <a:r>
-              <a:rPr lang="en-US" sz="1800" b="1" dirty="0"/>
-              <a:t>Administration: </a:t>
-            </a:r>
-            <a:r>
-              <a:rPr lang="en-US" sz="1800" dirty="0"/>
-              <a:t>Automating routine system maintenance, software installations, user management, and more.</a:t>
-            </a:r>
-          </a:p>
-          <a:p>
-            <a:pPr eaLnBrk="0" fontAlgn="base" hangingPunct="0">
-              <a:lnSpc>
-                <a:spcPct val="100000"/>
-              </a:lnSpc>
-              <a:spcBef>
-                <a:spcPct val="0"/>
-              </a:spcBef>
-              <a:spcAft>
-                <a:spcPct val="0"/>
-              </a:spcAft>
-            </a:pPr>
-            <a:r>
-              <a:rPr lang="en-US" sz="1800" b="1" dirty="0"/>
-              <a:t>Cloud Management: </a:t>
-            </a:r>
-            <a:r>
-              <a:rPr lang="en-US" sz="1800" dirty="0"/>
-              <a:t>Managing cloud resources in Azure, AWS, or Google Cloud.</a:t>
-            </a:r>
-          </a:p>
-          <a:p>
-            <a:pPr eaLnBrk="0" fontAlgn="base" hangingPunct="0">
-              <a:lnSpc>
-                <a:spcPct val="100000"/>
-              </a:lnSpc>
-              <a:spcBef>
-                <a:spcPct val="0"/>
-              </a:spcBef>
-              <a:spcAft>
-                <a:spcPct val="0"/>
-              </a:spcAft>
-            </a:pPr>
-            <a:r>
-              <a:rPr lang="en-US" sz="1800" b="1" dirty="0"/>
-              <a:t>DevOps Automation: </a:t>
-            </a:r>
-            <a:r>
-              <a:rPr lang="en-US" sz="1800" dirty="0"/>
-              <a:t>Automating build, test, and deployment pipelines.</a:t>
-            </a:r>
-          </a:p>
-          <a:p>
-            <a:pPr eaLnBrk="0" fontAlgn="base" hangingPunct="0">
-              <a:lnSpc>
-                <a:spcPct val="100000"/>
-              </a:lnSpc>
-              <a:spcBef>
-                <a:spcPct val="0"/>
-              </a:spcBef>
-              <a:spcAft>
-                <a:spcPct val="0"/>
-              </a:spcAft>
-            </a:pPr>
-            <a:r>
-              <a:rPr lang="en-US" sz="1800" b="1" dirty="0"/>
-              <a:t>Network Management: </a:t>
-            </a:r>
-            <a:r>
-              <a:rPr lang="en-US" sz="1800" dirty="0"/>
-              <a:t>Managing network configurations and devices.</a:t>
-            </a:r>
-          </a:p>
-          <a:p>
-            <a:pPr eaLnBrk="0" fontAlgn="base" hangingPunct="0">
-              <a:lnSpc>
-                <a:spcPct val="100000"/>
-              </a:lnSpc>
-              <a:spcBef>
-                <a:spcPct val="0"/>
-              </a:spcBef>
-              <a:spcAft>
-                <a:spcPct val="0"/>
-              </a:spcAft>
-            </a:pPr>
-            <a:r>
-              <a:rPr lang="en-US" sz="1800" b="1" dirty="0"/>
-              <a:t>Report Generation: </a:t>
-            </a:r>
-            <a:r>
-              <a:rPr lang="en-US" sz="1800" dirty="0"/>
-              <a:t>Automating data collection and report generation from logs or databases.</a:t>
-            </a:r>
-          </a:p>
-          <a:p>
-            <a:pPr eaLnBrk="0" fontAlgn="base" hangingPunct="0">
-              <a:lnSpc>
-                <a:spcPct val="100000"/>
-              </a:lnSpc>
-              <a:spcBef>
-                <a:spcPct val="0"/>
-              </a:spcBef>
-              <a:spcAft>
-                <a:spcPct val="0"/>
-              </a:spcAft>
-            </a:pPr>
-            <a:r>
-              <a:rPr lang="en-US" sz="1800" b="1" dirty="0"/>
-              <a:t>Backup and Recovery: </a:t>
-            </a:r>
-            <a:r>
-              <a:rPr lang="en-US" sz="1800" dirty="0"/>
-              <a:t>Automating backup processes and restoring files or system states.</a:t>
-            </a:r>
-            <a:endParaRPr lang="en-GB" sz="1600" dirty="0" smtClean="0"/>
-          </a:p>
-        </p:txBody>
-      </p:sp>
-      <p:cxnSp>
-        <p:nvCxnSpPr>
-          <p:cNvPr id="4" name="Straight Connector 3"/>
-          <p:cNvCxnSpPr/>
-          <p:nvPr/>
-        </p:nvCxnSpPr>
-        <p:spPr>
-          <a:xfrm>
-            <a:off x="838200" y="1566266"/>
-            <a:ext cx="10422924" cy="1"/>
-          </a:xfrm>
-          <a:prstGeom prst="line">
-            <a:avLst/>
-          </a:prstGeom>
-          <a:ln w="38100"/>
-        </p:spPr>
-        <p:style>
-          <a:lnRef idx="1">
-            <a:schemeClr val="accent1"/>
-          </a:lnRef>
-          <a:fillRef idx="0">
-            <a:schemeClr val="accent1"/>
-          </a:fillRef>
-          <a:effectRef idx="0">
-            <a:schemeClr val="accent1"/>
-          </a:effectRef>
-          <a:fontRef idx="minor">
-            <a:schemeClr val="tx1"/>
-          </a:fontRef>
-        </p:style>
-      </p:cxnSp>
-    </p:spTree>
-    <p:extLst>
-      <p:ext uri="{BB962C8B-B14F-4D97-AF65-F5344CB8AC3E}">
-        <p14:creationId xmlns:p14="http://schemas.microsoft.com/office/powerpoint/2010/main" val="623857816"/>
-      </p:ext>
-    </p:extLst>
-  </p:cSld>
-  <p:clrMapOvr>
-    <a:masterClrMapping/>
-  </p:clrMapOvr>
-  <mc:AlternateContent xmlns:mc="http://schemas.openxmlformats.org/markup-compatibility/2006" xmlns:p14="http://schemas.microsoft.com/office/powerpoint/2010/main">
-    <mc:Choice Requires="p14">
-      <p:transition p14:dur="0"/>
-    </mc:Choice>
-    <mc:Fallback xmlns="">
-      <p:transition/>
-    </mc:Fallback>
-  </mc:AlternateContent>
-  <p:timing>
-    <p:tnLst>
-      <p:par>
-        <p:cTn id="1" dur="indefinite" restart="never" nodeType="tmRoot"/>
-      </p:par>
-    </p:tnLst>
-  </p:timing>
-</p:sld>
-</file>
-
-<file path=ppt/slides/slide8.xml><?xml version="1.0" encoding="utf-8"?>
 <p:sld xmlns:a="http://schemas.openxmlformats.org/drawingml/2006/main" xmlns:r="http://schemas.openxmlformats.org/officeDocument/2006/relationships" xmlns:p="http://schemas.openxmlformats.org/presentationml/2006/main">
   <p:cSld>
     <p:spTree>
